--- a/illustratiom/Maquette+icon/maquette 2.1.pptx
+++ b/illustratiom/Maquette+icon/maquette 2.1.pptx
@@ -281,7 +281,7 @@
           <a:p>
             <a:fld id="{F1F4DE76-F39D-408F-AFFB-E8CD8FDAA89F}" type="datetimeFigureOut">
               <a:rPr lang="fr-FR" smtClean="0"/>
-              <a:t>01/07/2021</a:t>
+              <a:t>08/07/2021</a:t>
             </a:fld>
             <a:endParaRPr lang="fr-FR"/>
           </a:p>
@@ -451,7 +451,7 @@
           <a:p>
             <a:fld id="{F1F4DE76-F39D-408F-AFFB-E8CD8FDAA89F}" type="datetimeFigureOut">
               <a:rPr lang="fr-FR" smtClean="0"/>
-              <a:t>01/07/2021</a:t>
+              <a:t>08/07/2021</a:t>
             </a:fld>
             <a:endParaRPr lang="fr-FR"/>
           </a:p>
@@ -631,7 +631,7 @@
           <a:p>
             <a:fld id="{F1F4DE76-F39D-408F-AFFB-E8CD8FDAA89F}" type="datetimeFigureOut">
               <a:rPr lang="fr-FR" smtClean="0"/>
-              <a:t>01/07/2021</a:t>
+              <a:t>08/07/2021</a:t>
             </a:fld>
             <a:endParaRPr lang="fr-FR"/>
           </a:p>
@@ -801,7 +801,7 @@
           <a:p>
             <a:fld id="{F1F4DE76-F39D-408F-AFFB-E8CD8FDAA89F}" type="datetimeFigureOut">
               <a:rPr lang="fr-FR" smtClean="0"/>
-              <a:t>01/07/2021</a:t>
+              <a:t>08/07/2021</a:t>
             </a:fld>
             <a:endParaRPr lang="fr-FR"/>
           </a:p>
@@ -1047,7 +1047,7 @@
           <a:p>
             <a:fld id="{F1F4DE76-F39D-408F-AFFB-E8CD8FDAA89F}" type="datetimeFigureOut">
               <a:rPr lang="fr-FR" smtClean="0"/>
-              <a:t>01/07/2021</a:t>
+              <a:t>08/07/2021</a:t>
             </a:fld>
             <a:endParaRPr lang="fr-FR"/>
           </a:p>
@@ -1279,7 +1279,7 @@
           <a:p>
             <a:fld id="{F1F4DE76-F39D-408F-AFFB-E8CD8FDAA89F}" type="datetimeFigureOut">
               <a:rPr lang="fr-FR" smtClean="0"/>
-              <a:t>01/07/2021</a:t>
+              <a:t>08/07/2021</a:t>
             </a:fld>
             <a:endParaRPr lang="fr-FR"/>
           </a:p>
@@ -1646,7 +1646,7 @@
           <a:p>
             <a:fld id="{F1F4DE76-F39D-408F-AFFB-E8CD8FDAA89F}" type="datetimeFigureOut">
               <a:rPr lang="fr-FR" smtClean="0"/>
-              <a:t>01/07/2021</a:t>
+              <a:t>08/07/2021</a:t>
             </a:fld>
             <a:endParaRPr lang="fr-FR"/>
           </a:p>
@@ -1764,7 +1764,7 @@
           <a:p>
             <a:fld id="{F1F4DE76-F39D-408F-AFFB-E8CD8FDAA89F}" type="datetimeFigureOut">
               <a:rPr lang="fr-FR" smtClean="0"/>
-              <a:t>01/07/2021</a:t>
+              <a:t>08/07/2021</a:t>
             </a:fld>
             <a:endParaRPr lang="fr-FR"/>
           </a:p>
@@ -1859,7 +1859,7 @@
           <a:p>
             <a:fld id="{F1F4DE76-F39D-408F-AFFB-E8CD8FDAA89F}" type="datetimeFigureOut">
               <a:rPr lang="fr-FR" smtClean="0"/>
-              <a:t>01/07/2021</a:t>
+              <a:t>08/07/2021</a:t>
             </a:fld>
             <a:endParaRPr lang="fr-FR"/>
           </a:p>
@@ -2136,7 +2136,7 @@
           <a:p>
             <a:fld id="{F1F4DE76-F39D-408F-AFFB-E8CD8FDAA89F}" type="datetimeFigureOut">
               <a:rPr lang="fr-FR" smtClean="0"/>
-              <a:t>01/07/2021</a:t>
+              <a:t>08/07/2021</a:t>
             </a:fld>
             <a:endParaRPr lang="fr-FR"/>
           </a:p>
@@ -2389,7 +2389,7 @@
           <a:p>
             <a:fld id="{F1F4DE76-F39D-408F-AFFB-E8CD8FDAA89F}" type="datetimeFigureOut">
               <a:rPr lang="fr-FR" smtClean="0"/>
-              <a:t>01/07/2021</a:t>
+              <a:t>08/07/2021</a:t>
             </a:fld>
             <a:endParaRPr lang="fr-FR"/>
           </a:p>
@@ -2602,7 +2602,7 @@
           <a:p>
             <a:fld id="{F1F4DE76-F39D-408F-AFFB-E8CD8FDAA89F}" type="datetimeFigureOut">
               <a:rPr lang="fr-FR" smtClean="0"/>
-              <a:t>01/07/2021</a:t>
+              <a:t>08/07/2021</a:t>
             </a:fld>
             <a:endParaRPr lang="fr-FR"/>
           </a:p>
@@ -45019,11 +45019,7 @@
           <a:p>
             <a:r>
               <a:rPr lang="fr-FR" sz="1400" b="1" dirty="0" smtClean="0"/>
-              <a:t>Nom</a:t>
-            </a:r>
-            <a:r>
-              <a:rPr lang="fr-FR" sz="1400" b="1" dirty="0" smtClean="0"/>
-              <a:t> : RASOAMAHEFA</a:t>
+              <a:t>Nom : RASOAMAHEFA</a:t>
             </a:r>
             <a:endParaRPr lang="fr-FR" sz="1400" b="1" dirty="0"/>
           </a:p>
@@ -45233,7 +45229,6 @@
               <a:rPr lang="fr-FR" sz="1400" b="1" dirty="0"/>
               <a:t>	</a:t>
             </a:r>
-            <a:endParaRPr lang="fr-FR" sz="1400" b="1" dirty="0"/>
           </a:p>
         </p:txBody>
       </p:sp>
@@ -45299,11 +45294,7 @@
             </a:r>
             <a:r>
               <a:rPr lang="fr-FR" sz="1400" b="1" dirty="0" smtClean="0"/>
-              <a:t>CS</a:t>
-            </a:r>
-            <a:r>
-              <a:rPr lang="fr-FR" sz="1400" b="1" dirty="0" smtClean="0"/>
-              <a:t>: OK</a:t>
+              <a:t>CS: OK</a:t>
             </a:r>
             <a:endParaRPr lang="fr-FR" sz="1400" b="1" dirty="0"/>
           </a:p>
@@ -45896,11 +45887,7 @@
             <a:pPr algn="ctr"/>
             <a:r>
               <a:rPr lang="fr-FR" sz="1200" dirty="0" smtClean="0"/>
-              <a:t>Exporter</a:t>
-            </a:r>
-            <a:r>
-              <a:rPr lang="fr-FR" sz="1200" dirty="0" smtClean="0"/>
-              <a:t> </a:t>
+              <a:t>Exporter </a:t>
             </a:r>
             <a:endParaRPr lang="fr-FR" sz="1200" dirty="0"/>
           </a:p>
@@ -49743,11 +49730,7 @@
             <a:pPr algn="ctr"/>
             <a:r>
               <a:rPr lang="fr-FR" b="1" dirty="0" smtClean="0"/>
-              <a:t>Désolé, cette adress</a:t>
-            </a:r>
-            <a:r>
-              <a:rPr lang="fr-FR" b="1" dirty="0" smtClean="0"/>
-              <a:t>e mail n’existe pas</a:t>
+              <a:t>Désolé, cette adresse mail n’existe pas</a:t>
             </a:r>
             <a:endParaRPr lang="fr-FR" b="1" dirty="0"/>
           </a:p>
@@ -54645,15 +54628,7 @@
             <a:pPr algn="ctr"/>
             <a:r>
               <a:rPr lang="fr-FR" b="1" dirty="0" smtClean="0"/>
-              <a:t>Modifier un</a:t>
-            </a:r>
-            <a:r>
-              <a:rPr lang="fr-FR" b="1" dirty="0" smtClean="0"/>
-              <a:t> </a:t>
-            </a:r>
-            <a:r>
-              <a:rPr lang="fr-FR" b="1" dirty="0" smtClean="0"/>
-              <a:t>département </a:t>
+              <a:t>Modifier un département </a:t>
             </a:r>
             <a:endParaRPr lang="fr-FR" b="1" dirty="0"/>
           </a:p>
